--- a/GitHub_Copilot_Demo.pptx
+++ b/GitHub_Copilot_Demo.pptx
@@ -7,9 +7,10 @@
   <p:sldIdLst>
     <p:sldId id="256" r:id="rId2"/>
     <p:sldId id="257" r:id="rId3"/>
+    <p:sldId id="258" r:id="rId4"/>
   </p:sldIdLst>
   <p:notesMasterIdLst>
-    <p:notesMasterId r:id="rId4"/>
+    <p:notesMasterId r:id="rId5"/>
   </p:notesMasterIdLst>
   <p:sldSz cx="9144000" cy="5143500"/>
   <p:notesSz cx="5143500" cy="9144000"/>
@@ -633,6 +634,94 @@
 </p:notes>
 </file>
 
+<file path=ppt/notesSlides/notesSlide3.xml><?xml version="1.0" encoding="utf-8"?>
+<p:notes xmlns:a="http://schemas.openxmlformats.org/drawingml/2006/main" xmlns:r="http://schemas.openxmlformats.org/officeDocument/2006/relationships" xmlns:p="http://schemas.openxmlformats.org/presentationml/2006/main">
+  <p:cSld>
+    <p:spTree>
+      <p:nvGrpSpPr>
+        <p:cNvPr id="1" name=""/>
+        <p:cNvGrpSpPr/>
+        <p:nvPr/>
+      </p:nvGrpSpPr>
+      <p:grpSpPr>
+        <a:xfrm>
+          <a:off x="0" y="0"/>
+          <a:ext cx="0" cy="0"/>
+          <a:chOff x="0" y="0"/>
+          <a:chExt cx="0" cy="0"/>
+        </a:xfrm>
+      </p:grpSpPr>
+      <p:sp>
+        <p:nvSpPr>
+          <p:cNvPr id="2" name="Slide Image Placeholder 1"/>
+          <p:cNvSpPr>
+            <a:spLocks noGrp="1" noRot="1" noChangeAspect="1"/>
+          </p:cNvSpPr>
+          <p:nvPr>
+            <p:ph type="sldImg"/>
+          </p:nvPr>
+        </p:nvSpPr>
+        <p:spPr/>
+      </p:sp>
+      <p:sp>
+        <p:nvSpPr>
+          <p:cNvPr id="3" name="Notes Placeholder 2"/>
+          <p:cNvSpPr>
+            <a:spLocks noGrp="1"/>
+          </p:cNvSpPr>
+          <p:nvPr>
+            <p:ph type="body" idx="1"/>
+          </p:nvPr>
+        </p:nvSpPr>
+        <p:spPr/>
+        <p:txBody>
+          <a:bodyPr/>
+          <a:lstStyle/>
+          <a:p>
+            <a:r>
+              <a:rPr lang="en-US" dirty="0"/>
+              <a:t/>
+            </a:r>
+            <a:endParaRPr lang="en-US" dirty="0"/>
+          </a:p>
+        </p:txBody>
+      </p:sp>
+      <p:sp>
+        <p:nvSpPr>
+          <p:cNvPr id="4" name="Slide Number Placeholder 3"/>
+          <p:cNvSpPr>
+            <a:spLocks noGrp="1"/>
+          </p:cNvSpPr>
+          <p:nvPr>
+            <p:ph type="sldNum" sz="quarter" idx="10"/>
+          </p:nvPr>
+        </p:nvSpPr>
+        <p:spPr/>
+        <p:txBody>
+          <a:bodyPr/>
+          <a:lstStyle/>
+          <a:p>
+            <a:fld id="{F7021451-1387-4CA6-816F-3879F97B5CBC}" type="slidenum">
+              <a:rPr lang="en-US"/>
+              <a:t>3</a:t>
+            </a:fld>
+            <a:endParaRPr lang="en-US"/>
+          </a:p>
+        </p:txBody>
+      </p:sp>
+    </p:spTree>
+    <p:extLst>
+      <p:ext uri="{BB962C8B-B14F-4D97-AF65-F5344CB8AC3E}">
+        <p14:creationId xmlns:p14="http://schemas.microsoft.com/office/powerpoint/2010/main" val="1024086991"/>
+      </p:ext>
+    </p:extLst>
+  </p:cSld>
+  <p:clrMapOvr>
+    <a:masterClrMapping/>
+  </p:clrMapOvr>
+</p:notes>
+</file>
+
 <file path=ppt/slideLayouts/slideLayout1.xml><?xml version="1.0" encoding="utf-8"?>
 <p:sldLayout xmlns:a="http://schemas.openxmlformats.org/drawingml/2006/main" xmlns:r="http://schemas.openxmlformats.org/officeDocument/2006/relationships" xmlns:p="http://schemas.openxmlformats.org/presentationml/2006/main" preserve="1">
   <p:cSld name="DEFAULT">
@@ -1410,9 +1499,9 @@
           </a:stretch>
         </p:blipFill>
         <p:spPr>
-          <a:xfrm rot="5400000">
-            <a:off x="4846320" y="1668780"/>
-            <a:ext cx="365760" cy="137160"/>
+          <a:xfrm>
+            <a:off x="4914900" y="1691640"/>
+            <a:ext cx="228600" cy="228600"/>
           </a:xfrm>
           <a:prstGeom prst="rect">
             <a:avLst/>
@@ -1427,7 +1516,7 @@
         </p:nvSpPr>
         <p:spPr>
           <a:xfrm>
-            <a:off x="4206240" y="1828800"/>
+            <a:off x="4206240" y="1965960"/>
             <a:ext cx="1645920" cy="548640"/>
           </a:xfrm>
           <a:prstGeom prst="rect">
@@ -1460,7 +1549,7 @@
         </p:blipFill>
         <p:spPr>
           <a:xfrm>
-            <a:off x="4343400" y="1965960"/>
+            <a:off x="4343400" y="2103120"/>
             <a:ext cx="274320" cy="274320"/>
           </a:xfrm>
           <a:prstGeom prst="rect">
@@ -1476,7 +1565,7 @@
         </p:nvSpPr>
         <p:spPr>
           <a:xfrm>
-            <a:off x="4663440" y="1828800"/>
+            <a:off x="4663440" y="1965960"/>
             <a:ext cx="1188720" cy="548640"/>
           </a:xfrm>
           <a:prstGeom prst="rect">
@@ -1539,9 +1628,9 @@
           </a:stretch>
         </p:blipFill>
         <p:spPr>
-          <a:xfrm rot="5400000">
-            <a:off x="4846320" y="2400300"/>
-            <a:ext cx="365760" cy="137160"/>
+          <a:xfrm>
+            <a:off x="4914900" y="2560320"/>
+            <a:ext cx="228600" cy="228600"/>
           </a:xfrm>
           <a:prstGeom prst="rect">
             <a:avLst/>
@@ -1556,7 +1645,7 @@
         </p:nvSpPr>
         <p:spPr>
           <a:xfrm>
-            <a:off x="4206240" y="2560320"/>
+            <a:off x="4206240" y="2834640"/>
             <a:ext cx="1645920" cy="548640"/>
           </a:xfrm>
           <a:prstGeom prst="rect">
@@ -1589,7 +1678,7 @@
         </p:blipFill>
         <p:spPr>
           <a:xfrm>
-            <a:off x="4343400" y="2697480"/>
+            <a:off x="4343400" y="2971800"/>
             <a:ext cx="274320" cy="274320"/>
           </a:xfrm>
           <a:prstGeom prst="rect">
@@ -1605,7 +1694,7 @@
         </p:nvSpPr>
         <p:spPr>
           <a:xfrm>
-            <a:off x="4663440" y="2560320"/>
+            <a:off x="4663440" y="2834640"/>
             <a:ext cx="1188720" cy="548640"/>
           </a:xfrm>
           <a:prstGeom prst="rect">
@@ -1668,9 +1757,9 @@
           </a:stretch>
         </p:blipFill>
         <p:spPr>
-          <a:xfrm rot="5400000">
-            <a:off x="4846320" y="3131820"/>
-            <a:ext cx="365760" cy="137160"/>
+          <a:xfrm>
+            <a:off x="4914900" y="3429000"/>
+            <a:ext cx="228600" cy="228600"/>
           </a:xfrm>
           <a:prstGeom prst="rect">
             <a:avLst/>
@@ -1685,7 +1774,7 @@
         </p:nvSpPr>
         <p:spPr>
           <a:xfrm>
-            <a:off x="4206240" y="3291840"/>
+            <a:off x="4206240" y="3703320"/>
             <a:ext cx="1645920" cy="548640"/>
           </a:xfrm>
           <a:prstGeom prst="rect">
@@ -1718,7 +1807,7 @@
         </p:blipFill>
         <p:spPr>
           <a:xfrm>
-            <a:off x="4343400" y="3429000"/>
+            <a:off x="4343400" y="3840480"/>
             <a:ext cx="274320" cy="274320"/>
           </a:xfrm>
           <a:prstGeom prst="rect">
@@ -1734,7 +1823,7 @@
         </p:nvSpPr>
         <p:spPr>
           <a:xfrm>
-            <a:off x="4663440" y="3291840"/>
+            <a:off x="4663440" y="3703320"/>
             <a:ext cx="1188720" cy="548640"/>
           </a:xfrm>
           <a:prstGeom prst="rect">
@@ -2573,9 +2662,9 @@
           </a:stretch>
         </p:blipFill>
         <p:spPr>
-          <a:xfrm rot="5400000">
-            <a:off x="4846320" y="1668780"/>
-            <a:ext cx="365760" cy="137160"/>
+          <a:xfrm>
+            <a:off x="4914900" y="1691640"/>
+            <a:ext cx="228600" cy="228600"/>
           </a:xfrm>
           <a:prstGeom prst="rect">
             <a:avLst/>
@@ -2590,7 +2679,7 @@
         </p:nvSpPr>
         <p:spPr>
           <a:xfrm>
-            <a:off x="4206240" y="1828800"/>
+            <a:off x="4206240" y="1965960"/>
             <a:ext cx="1645920" cy="548640"/>
           </a:xfrm>
           <a:prstGeom prst="rect">
@@ -2623,7 +2712,7 @@
         </p:blipFill>
         <p:spPr>
           <a:xfrm>
-            <a:off x="4343400" y="1965960"/>
+            <a:off x="4343400" y="2103120"/>
             <a:ext cx="274320" cy="274320"/>
           </a:xfrm>
           <a:prstGeom prst="rect">
@@ -2639,7 +2728,7 @@
         </p:nvSpPr>
         <p:spPr>
           <a:xfrm>
-            <a:off x="4663440" y="1828800"/>
+            <a:off x="4663440" y="1965960"/>
             <a:ext cx="1188720" cy="548640"/>
           </a:xfrm>
           <a:prstGeom prst="rect">
@@ -2702,9 +2791,9 @@
           </a:stretch>
         </p:blipFill>
         <p:spPr>
-          <a:xfrm rot="5400000">
-            <a:off x="4846320" y="2400300"/>
-            <a:ext cx="365760" cy="137160"/>
+          <a:xfrm>
+            <a:off x="4914900" y="2560320"/>
+            <a:ext cx="228600" cy="228600"/>
           </a:xfrm>
           <a:prstGeom prst="rect">
             <a:avLst/>
@@ -2719,7 +2808,7 @@
         </p:nvSpPr>
         <p:spPr>
           <a:xfrm>
-            <a:off x="4206240" y="2560320"/>
+            <a:off x="4206240" y="2834640"/>
             <a:ext cx="1645920" cy="548640"/>
           </a:xfrm>
           <a:prstGeom prst="rect">
@@ -2752,7 +2841,7 @@
         </p:blipFill>
         <p:spPr>
           <a:xfrm>
-            <a:off x="4343400" y="2697480"/>
+            <a:off x="4343400" y="2971800"/>
             <a:ext cx="274320" cy="274320"/>
           </a:xfrm>
           <a:prstGeom prst="rect">
@@ -2768,7 +2857,7 @@
         </p:nvSpPr>
         <p:spPr>
           <a:xfrm>
-            <a:off x="4663440" y="2560320"/>
+            <a:off x="4663440" y="2834640"/>
             <a:ext cx="1188720" cy="548640"/>
           </a:xfrm>
           <a:prstGeom prst="rect">
@@ -2831,9 +2920,9 @@
           </a:stretch>
         </p:blipFill>
         <p:spPr>
-          <a:xfrm rot="5400000">
-            <a:off x="4846320" y="3131820"/>
-            <a:ext cx="365760" cy="137160"/>
+          <a:xfrm>
+            <a:off x="4914900" y="3429000"/>
+            <a:ext cx="228600" cy="228600"/>
           </a:xfrm>
           <a:prstGeom prst="rect">
             <a:avLst/>
@@ -2848,7 +2937,7 @@
         </p:nvSpPr>
         <p:spPr>
           <a:xfrm>
-            <a:off x="4206240" y="3291840"/>
+            <a:off x="4206240" y="3703320"/>
             <a:ext cx="1645920" cy="548640"/>
           </a:xfrm>
           <a:prstGeom prst="rect">
@@ -2881,7 +2970,7 @@
         </p:blipFill>
         <p:spPr>
           <a:xfrm>
-            <a:off x="4343400" y="3429000"/>
+            <a:off x="4343400" y="3840480"/>
             <a:ext cx="274320" cy="274320"/>
           </a:xfrm>
           <a:prstGeom prst="rect">
@@ -2897,7 +2986,7 @@
         </p:nvSpPr>
         <p:spPr>
           <a:xfrm>
-            <a:off x="4663440" y="3291840"/>
+            <a:off x="4663440" y="3703320"/>
             <a:ext cx="1188720" cy="548640"/>
           </a:xfrm>
           <a:prstGeom prst="rect">
@@ -3255,6 +3344,1615 @@
               <a:t>5 min</a:t>
             </a:r>
             <a:endParaRPr lang="en-US" sz="1200" dirty="0"/>
+          </a:p>
+        </p:txBody>
+      </p:sp>
+    </p:spTree>
+  </p:cSld>
+  <p:clrMapOvr>
+    <a:masterClrMapping/>
+  </p:clrMapOvr>
+</p:sld>
+</file>
+
+<file path=ppt/slides/slide3.xml><?xml version="1.0" encoding="utf-8"?>
+<p:sld xmlns:a="http://schemas.openxmlformats.org/drawingml/2006/main" xmlns:r="http://schemas.openxmlformats.org/officeDocument/2006/relationships" xmlns:p="http://schemas.openxmlformats.org/presentationml/2006/main">
+  <p:cSld name="Slide 3">
+    <p:bg>
+      <p:bgPr>
+        <a:solidFill>
+          <a:srgbClr val="F5F7FA"/>
+        </a:solidFill>
+      </p:bgPr>
+    </p:bg>
+    <p:spTree>
+      <p:nvGrpSpPr>
+        <p:cNvPr id="1" name=""/>
+        <p:cNvGrpSpPr/>
+        <p:nvPr/>
+      </p:nvGrpSpPr>
+      <p:grpSpPr>
+        <a:xfrm>
+          <a:off x="0" y="0"/>
+          <a:ext cx="0" cy="0"/>
+          <a:chOff x="0" y="0"/>
+          <a:chExt cx="0" cy="0"/>
+        </a:xfrm>
+      </p:grpSpPr>
+      <p:sp>
+        <p:nvSpPr>
+          <p:cNvPr id="2" name="Shape 0"/>
+          <p:cNvSpPr/>
+          <p:nvPr/>
+        </p:nvSpPr>
+        <p:spPr>
+          <a:xfrm>
+            <a:off x="0" y="0"/>
+            <a:ext cx="9144000" cy="137160"/>
+          </a:xfrm>
+          <a:prstGeom prst="rect">
+            <a:avLst/>
+          </a:prstGeom>
+          <a:solidFill>
+            <a:srgbClr val="FF6B6B"/>
+          </a:solidFill>
+          <a:ln/>
+        </p:spPr>
+      </p:sp>
+      <p:sp>
+        <p:nvSpPr>
+          <p:cNvPr id="3" name="Text 1"/>
+          <p:cNvSpPr/>
+          <p:nvPr/>
+        </p:nvSpPr>
+        <p:spPr>
+          <a:xfrm>
+            <a:off x="457200" y="365760"/>
+            <a:ext cx="8229600" cy="457200"/>
+          </a:xfrm>
+          <a:prstGeom prst="rect">
+            <a:avLst/>
+          </a:prstGeom>
+          <a:noFill/>
+          <a:ln/>
+        </p:spPr>
+        <p:txBody>
+          <a:bodyPr wrap="square" lIns="0" tIns="0" rIns="0" bIns="0" rtlCol="0" anchor="ctr"/>
+          <a:lstStyle/>
+          <a:p>
+            <a:pPr indent="0" marL="0">
+              <a:buNone/>
+            </a:pPr>
+            <a:r>
+              <a:rPr lang="en-US" sz="3200" b="1" dirty="0">
+                <a:solidFill>
+                  <a:srgbClr val="2E3A59"/>
+                </a:solidFill>
+                <a:latin typeface="Calibri" pitchFamily="34" charset="0"/>
+                <a:ea typeface="Calibri" pitchFamily="34" charset="-122"/>
+                <a:cs typeface="Calibri" pitchFamily="34" charset="-120"/>
+              </a:rPr>
+              <a:t>Use Case 3: Gherkin Test Case Generation</a:t>
+            </a:r>
+            <a:endParaRPr lang="en-US" sz="3200" dirty="0"/>
+          </a:p>
+        </p:txBody>
+      </p:sp>
+      <p:sp>
+        <p:nvSpPr>
+          <p:cNvPr id="4" name="Shape 2"/>
+          <p:cNvSpPr/>
+          <p:nvPr/>
+        </p:nvSpPr>
+        <p:spPr>
+          <a:xfrm>
+            <a:off x="457200" y="1005840"/>
+            <a:ext cx="1828800" cy="365760"/>
+          </a:xfrm>
+          <a:prstGeom prst="rect">
+            <a:avLst/>
+          </a:prstGeom>
+          <a:solidFill>
+            <a:srgbClr val="DC3545"/>
+          </a:solidFill>
+          <a:ln/>
+        </p:spPr>
+      </p:sp>
+      <p:sp>
+        <p:nvSpPr>
+          <p:cNvPr id="5" name="Text 3"/>
+          <p:cNvSpPr/>
+          <p:nvPr/>
+        </p:nvSpPr>
+        <p:spPr>
+          <a:xfrm>
+            <a:off x="457200" y="1005840"/>
+            <a:ext cx="1828800" cy="365760"/>
+          </a:xfrm>
+          <a:prstGeom prst="rect">
+            <a:avLst/>
+          </a:prstGeom>
+          <a:noFill/>
+          <a:ln/>
+        </p:spPr>
+        <p:txBody>
+          <a:bodyPr wrap="square" rtlCol="0" anchor="ctr"/>
+          <a:lstStyle/>
+          <a:p>
+            <a:pPr algn="ctr" indent="0" marL="0">
+              <a:buNone/>
+            </a:pPr>
+            <a:r>
+              <a:rPr lang="en-US" sz="1200" b="1" dirty="0">
+                <a:solidFill>
+                  <a:srgbClr val="FFFFFF"/>
+                </a:solidFill>
+                <a:latin typeface="Calibri" pitchFamily="34" charset="0"/>
+                <a:ea typeface="Calibri" pitchFamily="34" charset="-122"/>
+                <a:cs typeface="Calibri" pitchFamily="34" charset="-120"/>
+              </a:rPr>
+              <a:t>MANUAL PROCESS</a:t>
+            </a:r>
+            <a:endParaRPr lang="en-US" sz="1200" dirty="0"/>
+          </a:p>
+        </p:txBody>
+      </p:sp>
+      <p:sp>
+        <p:nvSpPr>
+          <p:cNvPr id="6" name="Shape 4"/>
+          <p:cNvSpPr/>
+          <p:nvPr/>
+        </p:nvSpPr>
+        <p:spPr>
+          <a:xfrm>
+            <a:off x="457200" y="1508760"/>
+            <a:ext cx="1828800" cy="457200"/>
+          </a:xfrm>
+          <a:prstGeom prst="rect">
+            <a:avLst/>
+          </a:prstGeom>
+          <a:solidFill>
+            <a:srgbClr val="F8D7DA"/>
+          </a:solidFill>
+          <a:ln w="25400">
+            <a:solidFill>
+              <a:srgbClr val="DC3545"/>
+            </a:solidFill>
+            <a:prstDash val="solid"/>
+          </a:ln>
+        </p:spPr>
+      </p:sp>
+      <p:pic>
+        <p:nvPicPr>
+          <p:cNvPr id="7" name="Image 0" descr="preencoded.png">    </p:cNvPr>
+          <p:cNvPicPr>
+            <a:picLocks noChangeAspect="1"/>
+          </p:cNvPicPr>
+          <p:nvPr/>
+        </p:nvPicPr>
+        <p:blipFill>
+          <a:blip r:embed="rId1"/>
+          <a:stretch>
+            <a:fillRect/>
+          </a:stretch>
+        </p:blipFill>
+        <p:spPr>
+          <a:xfrm>
+            <a:off x="548640" y="1600200"/>
+            <a:ext cx="228600" cy="228600"/>
+          </a:xfrm>
+          <a:prstGeom prst="rect">
+            <a:avLst/>
+          </a:prstGeom>
+        </p:spPr>
+      </p:pic>
+      <p:sp>
+        <p:nvSpPr>
+          <p:cNvPr id="8" name="Text 5"/>
+          <p:cNvSpPr/>
+          <p:nvPr/>
+        </p:nvSpPr>
+        <p:spPr>
+          <a:xfrm>
+            <a:off x="822960" y="1508760"/>
+            <a:ext cx="1417320" cy="457200"/>
+          </a:xfrm>
+          <a:prstGeom prst="rect">
+            <a:avLst/>
+          </a:prstGeom>
+          <a:noFill/>
+          <a:ln/>
+        </p:spPr>
+        <p:txBody>
+          <a:bodyPr wrap="square" rtlCol="0" anchor="ctr"/>
+          <a:lstStyle/>
+          <a:p>
+            <a:pPr indent="0" marL="0">
+              <a:buNone/>
+            </a:pPr>
+            <a:r>
+              <a:rPr lang="en-US" sz="900" b="1" dirty="0">
+                <a:solidFill>
+                  <a:srgbClr val="2C3E50"/>
+                </a:solidFill>
+                <a:latin typeface="Calibri" pitchFamily="34" charset="0"/>
+                <a:ea typeface="Calibri" pitchFamily="34" charset="-122"/>
+                <a:cs typeface="Calibri" pitchFamily="34" charset="-120"/>
+              </a:rPr>
+              <a:t>Acceptance</a:t>
+            </a:r>
+            <a:endParaRPr lang="en-US" sz="900" dirty="0"/>
+          </a:p>
+          <a:p>
+            <a:pPr indent="0" marL="0">
+              <a:buNone/>
+            </a:pPr>
+            <a:r>
+              <a:rPr lang="en-US" sz="900" b="1" dirty="0">
+                <a:solidFill>
+                  <a:srgbClr val="2C3E50"/>
+                </a:solidFill>
+                <a:latin typeface="Calibri" pitchFamily="34" charset="0"/>
+                <a:ea typeface="Calibri" pitchFamily="34" charset="-122"/>
+                <a:cs typeface="Calibri" pitchFamily="34" charset="-120"/>
+              </a:rPr>
+              <a:t>Criteria</a:t>
+            </a:r>
+            <a:endParaRPr lang="en-US" sz="900" dirty="0"/>
+          </a:p>
+        </p:txBody>
+      </p:sp>
+      <p:pic>
+        <p:nvPicPr>
+          <p:cNvPr id="9" name="Image 1" descr="preencoded.png">    </p:cNvPr>
+          <p:cNvPicPr>
+            <a:picLocks noChangeAspect="1"/>
+          </p:cNvPicPr>
+          <p:nvPr/>
+        </p:nvPicPr>
+        <p:blipFill>
+          <a:blip r:embed="rId2"/>
+          <a:stretch>
+            <a:fillRect/>
+          </a:stretch>
+        </p:blipFill>
+        <p:spPr>
+          <a:xfrm>
+            <a:off x="1280160" y="2011680"/>
+            <a:ext cx="182880" cy="182880"/>
+          </a:xfrm>
+          <a:prstGeom prst="rect">
+            <a:avLst/>
+          </a:prstGeom>
+        </p:spPr>
+      </p:pic>
+      <p:sp>
+        <p:nvSpPr>
+          <p:cNvPr id="10" name="Shape 6"/>
+          <p:cNvSpPr/>
+          <p:nvPr/>
+        </p:nvSpPr>
+        <p:spPr>
+          <a:xfrm>
+            <a:off x="457200" y="2240280"/>
+            <a:ext cx="1828800" cy="457200"/>
+          </a:xfrm>
+          <a:prstGeom prst="rect">
+            <a:avLst/>
+          </a:prstGeom>
+          <a:solidFill>
+            <a:srgbClr val="F8D7DA"/>
+          </a:solidFill>
+          <a:ln w="25400">
+            <a:solidFill>
+              <a:srgbClr val="DC3545"/>
+            </a:solidFill>
+            <a:prstDash val="solid"/>
+          </a:ln>
+        </p:spPr>
+      </p:sp>
+      <p:pic>
+        <p:nvPicPr>
+          <p:cNvPr id="11" name="Image 2" descr="preencoded.png">    </p:cNvPr>
+          <p:cNvPicPr>
+            <a:picLocks noChangeAspect="1"/>
+          </p:cNvPicPr>
+          <p:nvPr/>
+        </p:nvPicPr>
+        <p:blipFill>
+          <a:blip r:embed="rId3"/>
+          <a:stretch>
+            <a:fillRect/>
+          </a:stretch>
+        </p:blipFill>
+        <p:spPr>
+          <a:xfrm>
+            <a:off x="548640" y="2331720"/>
+            <a:ext cx="228600" cy="228600"/>
+          </a:xfrm>
+          <a:prstGeom prst="rect">
+            <a:avLst/>
+          </a:prstGeom>
+        </p:spPr>
+      </p:pic>
+      <p:sp>
+        <p:nvSpPr>
+          <p:cNvPr id="12" name="Text 7"/>
+          <p:cNvSpPr/>
+          <p:nvPr/>
+        </p:nvSpPr>
+        <p:spPr>
+          <a:xfrm>
+            <a:off x="822960" y="2240280"/>
+            <a:ext cx="1417320" cy="457200"/>
+          </a:xfrm>
+          <a:prstGeom prst="rect">
+            <a:avLst/>
+          </a:prstGeom>
+          <a:noFill/>
+          <a:ln/>
+        </p:spPr>
+        <p:txBody>
+          <a:bodyPr wrap="square" rtlCol="0" anchor="ctr"/>
+          <a:lstStyle/>
+          <a:p>
+            <a:pPr indent="0" marL="0">
+              <a:buNone/>
+            </a:pPr>
+            <a:r>
+              <a:rPr lang="en-US" sz="900" b="1" dirty="0">
+                <a:solidFill>
+                  <a:srgbClr val="2C3E50"/>
+                </a:solidFill>
+                <a:latin typeface="Calibri" pitchFamily="34" charset="0"/>
+                <a:ea typeface="Calibri" pitchFamily="34" charset="-122"/>
+                <a:cs typeface="Calibri" pitchFamily="34" charset="-120"/>
+              </a:rPr>
+              <a:t>Manual Review</a:t>
+            </a:r>
+            <a:endParaRPr lang="en-US" sz="900" dirty="0"/>
+          </a:p>
+          <a:p>
+            <a:pPr indent="0" marL="0">
+              <a:buNone/>
+            </a:pPr>
+            <a:r>
+              <a:rPr lang="en-US" sz="900" b="1" dirty="0">
+                <a:solidFill>
+                  <a:srgbClr val="2C3E50"/>
+                </a:solidFill>
+                <a:latin typeface="Calibri" pitchFamily="34" charset="0"/>
+                <a:ea typeface="Calibri" pitchFamily="34" charset="-122"/>
+                <a:cs typeface="Calibri" pitchFamily="34" charset="-120"/>
+              </a:rPr>
+              <a:t>&amp; Refinement</a:t>
+            </a:r>
+            <a:endParaRPr lang="en-US" sz="900" dirty="0"/>
+          </a:p>
+        </p:txBody>
+      </p:sp>
+      <p:pic>
+        <p:nvPicPr>
+          <p:cNvPr id="13" name="Image 3" descr="preencoded.png">    </p:cNvPr>
+          <p:cNvPicPr>
+            <a:picLocks noChangeAspect="1"/>
+          </p:cNvPicPr>
+          <p:nvPr/>
+        </p:nvPicPr>
+        <p:blipFill>
+          <a:blip r:embed="rId4"/>
+          <a:stretch>
+            <a:fillRect/>
+          </a:stretch>
+        </p:blipFill>
+        <p:spPr>
+          <a:xfrm>
+            <a:off x="1280160" y="2743200"/>
+            <a:ext cx="182880" cy="182880"/>
+          </a:xfrm>
+          <a:prstGeom prst="rect">
+            <a:avLst/>
+          </a:prstGeom>
+        </p:spPr>
+      </p:pic>
+      <p:sp>
+        <p:nvSpPr>
+          <p:cNvPr id="14" name="Shape 8"/>
+          <p:cNvSpPr/>
+          <p:nvPr/>
+        </p:nvSpPr>
+        <p:spPr>
+          <a:xfrm>
+            <a:off x="457200" y="2971800"/>
+            <a:ext cx="1828800" cy="457200"/>
+          </a:xfrm>
+          <a:prstGeom prst="rect">
+            <a:avLst/>
+          </a:prstGeom>
+          <a:solidFill>
+            <a:srgbClr val="F8D7DA"/>
+          </a:solidFill>
+          <a:ln w="25400">
+            <a:solidFill>
+              <a:srgbClr val="DC3545"/>
+            </a:solidFill>
+            <a:prstDash val="solid"/>
+          </a:ln>
+        </p:spPr>
+      </p:sp>
+      <p:pic>
+        <p:nvPicPr>
+          <p:cNvPr id="15" name="Image 4" descr="preencoded.png">    </p:cNvPr>
+          <p:cNvPicPr>
+            <a:picLocks noChangeAspect="1"/>
+          </p:cNvPicPr>
+          <p:nvPr/>
+        </p:nvPicPr>
+        <p:blipFill>
+          <a:blip r:embed="rId5"/>
+          <a:stretch>
+            <a:fillRect/>
+          </a:stretch>
+        </p:blipFill>
+        <p:spPr>
+          <a:xfrm>
+            <a:off x="548640" y="3063240"/>
+            <a:ext cx="228600" cy="228600"/>
+          </a:xfrm>
+          <a:prstGeom prst="rect">
+            <a:avLst/>
+          </a:prstGeom>
+        </p:spPr>
+      </p:pic>
+      <p:sp>
+        <p:nvSpPr>
+          <p:cNvPr id="16" name="Text 9"/>
+          <p:cNvSpPr/>
+          <p:nvPr/>
+        </p:nvSpPr>
+        <p:spPr>
+          <a:xfrm>
+            <a:off x="822960" y="2971800"/>
+            <a:ext cx="1417320" cy="457200"/>
+          </a:xfrm>
+          <a:prstGeom prst="rect">
+            <a:avLst/>
+          </a:prstGeom>
+          <a:noFill/>
+          <a:ln/>
+        </p:spPr>
+        <p:txBody>
+          <a:bodyPr wrap="square" rtlCol="0" anchor="ctr"/>
+          <a:lstStyle/>
+          <a:p>
+            <a:pPr indent="0" marL="0">
+              <a:buNone/>
+            </a:pPr>
+            <a:r>
+              <a:rPr lang="en-US" sz="900" b="1" dirty="0">
+                <a:solidFill>
+                  <a:srgbClr val="2C3E50"/>
+                </a:solidFill>
+                <a:latin typeface="Calibri" pitchFamily="34" charset="0"/>
+                <a:ea typeface="Calibri" pitchFamily="34" charset="-122"/>
+                <a:cs typeface="Calibri" pitchFamily="34" charset="-120"/>
+              </a:rPr>
+              <a:t>Manually Write</a:t>
+            </a:r>
+            <a:endParaRPr lang="en-US" sz="900" dirty="0"/>
+          </a:p>
+          <a:p>
+            <a:pPr indent="0" marL="0">
+              <a:buNone/>
+            </a:pPr>
+            <a:r>
+              <a:rPr lang="en-US" sz="900" b="1" dirty="0">
+                <a:solidFill>
+                  <a:srgbClr val="2C3E50"/>
+                </a:solidFill>
+                <a:latin typeface="Calibri" pitchFamily="34" charset="0"/>
+                <a:ea typeface="Calibri" pitchFamily="34" charset="-122"/>
+                <a:cs typeface="Calibri" pitchFamily="34" charset="-120"/>
+              </a:rPr>
+              <a:t>Test Steps</a:t>
+            </a:r>
+            <a:endParaRPr lang="en-US" sz="900" dirty="0"/>
+          </a:p>
+        </p:txBody>
+      </p:sp>
+      <p:pic>
+        <p:nvPicPr>
+          <p:cNvPr id="17" name="Image 5" descr="preencoded.png">    </p:cNvPr>
+          <p:cNvPicPr>
+            <a:picLocks noChangeAspect="1"/>
+          </p:cNvPicPr>
+          <p:nvPr/>
+        </p:nvPicPr>
+        <p:blipFill>
+          <a:blip r:embed="rId6"/>
+          <a:stretch>
+            <a:fillRect/>
+          </a:stretch>
+        </p:blipFill>
+        <p:spPr>
+          <a:xfrm>
+            <a:off x="1280160" y="3474720"/>
+            <a:ext cx="182880" cy="182880"/>
+          </a:xfrm>
+          <a:prstGeom prst="rect">
+            <a:avLst/>
+          </a:prstGeom>
+        </p:spPr>
+      </p:pic>
+      <p:sp>
+        <p:nvSpPr>
+          <p:cNvPr id="18" name="Shape 10"/>
+          <p:cNvSpPr/>
+          <p:nvPr/>
+        </p:nvSpPr>
+        <p:spPr>
+          <a:xfrm>
+            <a:off x="457200" y="3703320"/>
+            <a:ext cx="1828800" cy="457200"/>
+          </a:xfrm>
+          <a:prstGeom prst="rect">
+            <a:avLst/>
+          </a:prstGeom>
+          <a:solidFill>
+            <a:srgbClr val="F8D7DA"/>
+          </a:solidFill>
+          <a:ln w="25400">
+            <a:solidFill>
+              <a:srgbClr val="DC3545"/>
+            </a:solidFill>
+            <a:prstDash val="solid"/>
+          </a:ln>
+        </p:spPr>
+      </p:sp>
+      <p:pic>
+        <p:nvPicPr>
+          <p:cNvPr id="19" name="Image 6" descr="preencoded.png">    </p:cNvPr>
+          <p:cNvPicPr>
+            <a:picLocks noChangeAspect="1"/>
+          </p:cNvPicPr>
+          <p:nvPr/>
+        </p:nvPicPr>
+        <p:blipFill>
+          <a:blip r:embed="rId7"/>
+          <a:stretch>
+            <a:fillRect/>
+          </a:stretch>
+        </p:blipFill>
+        <p:spPr>
+          <a:xfrm>
+            <a:off x="548640" y="3794760"/>
+            <a:ext cx="228600" cy="228600"/>
+          </a:xfrm>
+          <a:prstGeom prst="rect">
+            <a:avLst/>
+          </a:prstGeom>
+        </p:spPr>
+      </p:pic>
+      <p:sp>
+        <p:nvSpPr>
+          <p:cNvPr id="20" name="Text 11"/>
+          <p:cNvSpPr/>
+          <p:nvPr/>
+        </p:nvSpPr>
+        <p:spPr>
+          <a:xfrm>
+            <a:off x="822960" y="3703320"/>
+            <a:ext cx="1417320" cy="457200"/>
+          </a:xfrm>
+          <a:prstGeom prst="rect">
+            <a:avLst/>
+          </a:prstGeom>
+          <a:noFill/>
+          <a:ln/>
+        </p:spPr>
+        <p:txBody>
+          <a:bodyPr wrap="square" rtlCol="0" anchor="ctr"/>
+          <a:lstStyle/>
+          <a:p>
+            <a:pPr indent="0" marL="0">
+              <a:buNone/>
+            </a:pPr>
+            <a:r>
+              <a:rPr lang="en-US" sz="900" b="1" dirty="0">
+                <a:solidFill>
+                  <a:srgbClr val="2C3E50"/>
+                </a:solidFill>
+                <a:latin typeface="Calibri" pitchFamily="34" charset="0"/>
+                <a:ea typeface="Calibri" pitchFamily="34" charset="-122"/>
+                <a:cs typeface="Calibri" pitchFamily="34" charset="-120"/>
+              </a:rPr>
+              <a:t>Manual Review</a:t>
+            </a:r>
+            <a:endParaRPr lang="en-US" sz="900" dirty="0"/>
+          </a:p>
+          <a:p>
+            <a:pPr indent="0" marL="0">
+              <a:buNone/>
+            </a:pPr>
+            <a:r>
+              <a:rPr lang="en-US" sz="900" b="1" dirty="0">
+                <a:solidFill>
+                  <a:srgbClr val="2C3E50"/>
+                </a:solidFill>
+                <a:latin typeface="Calibri" pitchFamily="34" charset="0"/>
+                <a:ea typeface="Calibri" pitchFamily="34" charset="-122"/>
+                <a:cs typeface="Calibri" pitchFamily="34" charset="-120"/>
+              </a:rPr>
+              <a:t>&amp; Refinement</a:t>
+            </a:r>
+            <a:endParaRPr lang="en-US" sz="900" dirty="0"/>
+          </a:p>
+        </p:txBody>
+      </p:sp>
+      <p:sp>
+        <p:nvSpPr>
+          <p:cNvPr id="21" name="Shape 12"/>
+          <p:cNvSpPr/>
+          <p:nvPr/>
+        </p:nvSpPr>
+        <p:spPr>
+          <a:xfrm>
+            <a:off x="2560320" y="1005840"/>
+            <a:ext cx="1828800" cy="365760"/>
+          </a:xfrm>
+          <a:prstGeom prst="rect">
+            <a:avLst/>
+          </a:prstGeom>
+          <a:solidFill>
+            <a:srgbClr val="FF6B6B"/>
+          </a:solidFill>
+          <a:ln/>
+        </p:spPr>
+      </p:sp>
+      <p:sp>
+        <p:nvSpPr>
+          <p:cNvPr id="22" name="Text 13"/>
+          <p:cNvSpPr/>
+          <p:nvPr/>
+        </p:nvSpPr>
+        <p:spPr>
+          <a:xfrm>
+            <a:off x="2560320" y="1005840"/>
+            <a:ext cx="1828800" cy="365760"/>
+          </a:xfrm>
+          <a:prstGeom prst="rect">
+            <a:avLst/>
+          </a:prstGeom>
+          <a:noFill/>
+          <a:ln/>
+        </p:spPr>
+        <p:txBody>
+          <a:bodyPr wrap="square" rtlCol="0" anchor="ctr"/>
+          <a:lstStyle/>
+          <a:p>
+            <a:pPr algn="ctr" indent="0" marL="0">
+              <a:buNone/>
+            </a:pPr>
+            <a:r>
+              <a:rPr lang="en-US" sz="1200" b="1" dirty="0">
+                <a:solidFill>
+                  <a:srgbClr val="FFFFFF"/>
+                </a:solidFill>
+                <a:latin typeface="Calibri" pitchFamily="34" charset="0"/>
+                <a:ea typeface="Calibri" pitchFamily="34" charset="-122"/>
+                <a:cs typeface="Calibri" pitchFamily="34" charset="-120"/>
+              </a:rPr>
+              <a:t>USING COPILOT</a:t>
+            </a:r>
+            <a:endParaRPr lang="en-US" sz="1200" dirty="0"/>
+          </a:p>
+        </p:txBody>
+      </p:sp>
+      <p:sp>
+        <p:nvSpPr>
+          <p:cNvPr id="23" name="Shape 14"/>
+          <p:cNvSpPr/>
+          <p:nvPr/>
+        </p:nvSpPr>
+        <p:spPr>
+          <a:xfrm>
+            <a:off x="2560320" y="1508760"/>
+            <a:ext cx="1828800" cy="457200"/>
+          </a:xfrm>
+          <a:prstGeom prst="rect">
+            <a:avLst/>
+          </a:prstGeom>
+          <a:solidFill>
+            <a:srgbClr val="E8F4F8"/>
+          </a:solidFill>
+          <a:ln w="25400">
+            <a:solidFill>
+              <a:srgbClr val="0891B2"/>
+            </a:solidFill>
+            <a:prstDash val="solid"/>
+          </a:ln>
+        </p:spPr>
+      </p:sp>
+      <p:pic>
+        <p:nvPicPr>
+          <p:cNvPr id="24" name="Image 7" descr="preencoded.png">    </p:cNvPr>
+          <p:cNvPicPr>
+            <a:picLocks noChangeAspect="1"/>
+          </p:cNvPicPr>
+          <p:nvPr/>
+        </p:nvPicPr>
+        <p:blipFill>
+          <a:blip r:embed="rId8"/>
+          <a:stretch>
+            <a:fillRect/>
+          </a:stretch>
+        </p:blipFill>
+        <p:spPr>
+          <a:xfrm>
+            <a:off x="2651760" y="1600200"/>
+            <a:ext cx="228600" cy="228600"/>
+          </a:xfrm>
+          <a:prstGeom prst="rect">
+            <a:avLst/>
+          </a:prstGeom>
+        </p:spPr>
+      </p:pic>
+      <p:sp>
+        <p:nvSpPr>
+          <p:cNvPr id="25" name="Text 15"/>
+          <p:cNvSpPr/>
+          <p:nvPr/>
+        </p:nvSpPr>
+        <p:spPr>
+          <a:xfrm>
+            <a:off x="2926080" y="1508760"/>
+            <a:ext cx="1417320" cy="457200"/>
+          </a:xfrm>
+          <a:prstGeom prst="rect">
+            <a:avLst/>
+          </a:prstGeom>
+          <a:noFill/>
+          <a:ln/>
+        </p:spPr>
+        <p:txBody>
+          <a:bodyPr wrap="square" rtlCol="0" anchor="ctr"/>
+          <a:lstStyle/>
+          <a:p>
+            <a:pPr indent="0" marL="0">
+              <a:buNone/>
+            </a:pPr>
+            <a:r>
+              <a:rPr lang="en-US" sz="900" b="1" dirty="0">
+                <a:solidFill>
+                  <a:srgbClr val="2C3E50"/>
+                </a:solidFill>
+                <a:latin typeface="Calibri" pitchFamily="34" charset="0"/>
+                <a:ea typeface="Calibri" pitchFamily="34" charset="-122"/>
+                <a:cs typeface="Calibri" pitchFamily="34" charset="-120"/>
+              </a:rPr>
+              <a:t>Instructions</a:t>
+            </a:r>
+            <a:endParaRPr lang="en-US" sz="900" dirty="0"/>
+          </a:p>
+          <a:p>
+            <a:pPr indent="0" marL="0">
+              <a:buNone/>
+            </a:pPr>
+            <a:r>
+              <a:rPr lang="en-US" sz="900" b="1" dirty="0">
+                <a:solidFill>
+                  <a:srgbClr val="2C3E50"/>
+                </a:solidFill>
+                <a:latin typeface="Calibri" pitchFamily="34" charset="0"/>
+                <a:ea typeface="Calibri" pitchFamily="34" charset="-122"/>
+                <a:cs typeface="Calibri" pitchFamily="34" charset="-120"/>
+              </a:rPr>
+              <a:t>File</a:t>
+            </a:r>
+            <a:endParaRPr lang="en-US" sz="900" dirty="0"/>
+          </a:p>
+        </p:txBody>
+      </p:sp>
+      <p:pic>
+        <p:nvPicPr>
+          <p:cNvPr id="26" name="Image 8" descr="preencoded.png">    </p:cNvPr>
+          <p:cNvPicPr>
+            <a:picLocks noChangeAspect="1"/>
+          </p:cNvPicPr>
+          <p:nvPr/>
+        </p:nvPicPr>
+        <p:blipFill>
+          <a:blip r:embed="rId9"/>
+          <a:stretch>
+            <a:fillRect/>
+          </a:stretch>
+        </p:blipFill>
+        <p:spPr>
+          <a:xfrm>
+            <a:off x="3383280" y="2011680"/>
+            <a:ext cx="182880" cy="182880"/>
+          </a:xfrm>
+          <a:prstGeom prst="rect">
+            <a:avLst/>
+          </a:prstGeom>
+        </p:spPr>
+      </p:pic>
+      <p:sp>
+        <p:nvSpPr>
+          <p:cNvPr id="27" name="Shape 16"/>
+          <p:cNvSpPr/>
+          <p:nvPr/>
+        </p:nvSpPr>
+        <p:spPr>
+          <a:xfrm>
+            <a:off x="2560320" y="2240280"/>
+            <a:ext cx="1828800" cy="457200"/>
+          </a:xfrm>
+          <a:prstGeom prst="rect">
+            <a:avLst/>
+          </a:prstGeom>
+          <a:solidFill>
+            <a:srgbClr val="FFE5E5"/>
+          </a:solidFill>
+          <a:ln w="25400">
+            <a:solidFill>
+              <a:srgbClr val="FF6B6B"/>
+            </a:solidFill>
+            <a:prstDash val="solid"/>
+          </a:ln>
+        </p:spPr>
+      </p:sp>
+      <p:pic>
+        <p:nvPicPr>
+          <p:cNvPr id="28" name="Image 9" descr="preencoded.png">    </p:cNvPr>
+          <p:cNvPicPr>
+            <a:picLocks noChangeAspect="1"/>
+          </p:cNvPicPr>
+          <p:nvPr/>
+        </p:nvPicPr>
+        <p:blipFill>
+          <a:blip r:embed="rId10"/>
+          <a:stretch>
+            <a:fillRect/>
+          </a:stretch>
+        </p:blipFill>
+        <p:spPr>
+          <a:xfrm>
+            <a:off x="2651760" y="2331720"/>
+            <a:ext cx="228600" cy="228600"/>
+          </a:xfrm>
+          <a:prstGeom prst="rect">
+            <a:avLst/>
+          </a:prstGeom>
+        </p:spPr>
+      </p:pic>
+      <p:sp>
+        <p:nvSpPr>
+          <p:cNvPr id="29" name="Text 17"/>
+          <p:cNvSpPr/>
+          <p:nvPr/>
+        </p:nvSpPr>
+        <p:spPr>
+          <a:xfrm>
+            <a:off x="2926080" y="2240280"/>
+            <a:ext cx="1417320" cy="457200"/>
+          </a:xfrm>
+          <a:prstGeom prst="rect">
+            <a:avLst/>
+          </a:prstGeom>
+          <a:noFill/>
+          <a:ln/>
+        </p:spPr>
+        <p:txBody>
+          <a:bodyPr wrap="square" rtlCol="0" anchor="ctr"/>
+          <a:lstStyle/>
+          <a:p>
+            <a:pPr indent="0" marL="0">
+              <a:buNone/>
+            </a:pPr>
+            <a:r>
+              <a:rPr lang="en-US" sz="900" b="1" dirty="0">
+                <a:solidFill>
+                  <a:srgbClr val="2C3E50"/>
+                </a:solidFill>
+                <a:latin typeface="Calibri" pitchFamily="34" charset="0"/>
+                <a:ea typeface="Calibri" pitchFamily="34" charset="-122"/>
+                <a:cs typeface="Calibri" pitchFamily="34" charset="-120"/>
+              </a:rPr>
+              <a:t>CDG (Context-</a:t>
+            </a:r>
+            <a:endParaRPr lang="en-US" sz="900" dirty="0"/>
+          </a:p>
+          <a:p>
+            <a:pPr indent="0" marL="0">
+              <a:buNone/>
+            </a:pPr>
+            <a:r>
+              <a:rPr lang="en-US" sz="900" b="1" dirty="0">
+                <a:solidFill>
+                  <a:srgbClr val="2C3E50"/>
+                </a:solidFill>
+                <a:latin typeface="Calibri" pitchFamily="34" charset="0"/>
+                <a:ea typeface="Calibri" pitchFamily="34" charset="-122"/>
+                <a:cs typeface="Calibri" pitchFamily="34" charset="-120"/>
+              </a:rPr>
+              <a:t>Driven Gen)</a:t>
+            </a:r>
+            <a:endParaRPr lang="en-US" sz="900" dirty="0"/>
+          </a:p>
+        </p:txBody>
+      </p:sp>
+      <p:pic>
+        <p:nvPicPr>
+          <p:cNvPr id="30" name="Image 10" descr="preencoded.png">    </p:cNvPr>
+          <p:cNvPicPr>
+            <a:picLocks noChangeAspect="1"/>
+          </p:cNvPicPr>
+          <p:nvPr/>
+        </p:nvPicPr>
+        <p:blipFill>
+          <a:blip r:embed="rId11"/>
+          <a:stretch>
+            <a:fillRect/>
+          </a:stretch>
+        </p:blipFill>
+        <p:spPr>
+          <a:xfrm>
+            <a:off x="3383280" y="2743200"/>
+            <a:ext cx="182880" cy="182880"/>
+          </a:xfrm>
+          <a:prstGeom prst="rect">
+            <a:avLst/>
+          </a:prstGeom>
+        </p:spPr>
+      </p:pic>
+      <p:sp>
+        <p:nvSpPr>
+          <p:cNvPr id="31" name="Shape 18"/>
+          <p:cNvSpPr/>
+          <p:nvPr/>
+        </p:nvSpPr>
+        <p:spPr>
+          <a:xfrm>
+            <a:off x="2560320" y="2971800"/>
+            <a:ext cx="1828800" cy="457200"/>
+          </a:xfrm>
+          <a:prstGeom prst="rect">
+            <a:avLst/>
+          </a:prstGeom>
+          <a:solidFill>
+            <a:srgbClr val="E8F4F8"/>
+          </a:solidFill>
+          <a:ln w="25400">
+            <a:solidFill>
+              <a:srgbClr val="0891B2"/>
+            </a:solidFill>
+            <a:prstDash val="solid"/>
+          </a:ln>
+        </p:spPr>
+      </p:sp>
+      <p:pic>
+        <p:nvPicPr>
+          <p:cNvPr id="32" name="Image 11" descr="preencoded.png">    </p:cNvPr>
+          <p:cNvPicPr>
+            <a:picLocks noChangeAspect="1"/>
+          </p:cNvPicPr>
+          <p:nvPr/>
+        </p:nvPicPr>
+        <p:blipFill>
+          <a:blip r:embed="rId12"/>
+          <a:stretch>
+            <a:fillRect/>
+          </a:stretch>
+        </p:blipFill>
+        <p:spPr>
+          <a:xfrm>
+            <a:off x="2651760" y="3063240"/>
+            <a:ext cx="228600" cy="228600"/>
+          </a:xfrm>
+          <a:prstGeom prst="rect">
+            <a:avLst/>
+          </a:prstGeom>
+        </p:spPr>
+      </p:pic>
+      <p:sp>
+        <p:nvSpPr>
+          <p:cNvPr id="33" name="Text 19"/>
+          <p:cNvSpPr/>
+          <p:nvPr/>
+        </p:nvSpPr>
+        <p:spPr>
+          <a:xfrm>
+            <a:off x="2926080" y="2971800"/>
+            <a:ext cx="1417320" cy="457200"/>
+          </a:xfrm>
+          <a:prstGeom prst="rect">
+            <a:avLst/>
+          </a:prstGeom>
+          <a:noFill/>
+          <a:ln/>
+        </p:spPr>
+        <p:txBody>
+          <a:bodyPr wrap="square" rtlCol="0" anchor="ctr"/>
+          <a:lstStyle/>
+          <a:p>
+            <a:pPr indent="0" marL="0">
+              <a:buNone/>
+            </a:pPr>
+            <a:r>
+              <a:rPr lang="en-US" sz="900" b="1" dirty="0">
+                <a:solidFill>
+                  <a:srgbClr val="2C3E50"/>
+                </a:solidFill>
+                <a:latin typeface="Calibri" pitchFamily="34" charset="0"/>
+                <a:ea typeface="Calibri" pitchFamily="34" charset="-122"/>
+                <a:cs typeface="Calibri" pitchFamily="34" charset="-120"/>
+              </a:rPr>
+              <a:t>Prompt</a:t>
+            </a:r>
+            <a:endParaRPr lang="en-US" sz="900" dirty="0"/>
+          </a:p>
+          <a:p>
+            <a:pPr indent="0" marL="0">
+              <a:buNone/>
+            </a:pPr>
+            <a:r>
+              <a:rPr lang="en-US" sz="900" b="1" dirty="0">
+                <a:solidFill>
+                  <a:srgbClr val="2C3E50"/>
+                </a:solidFill>
+                <a:latin typeface="Calibri" pitchFamily="34" charset="0"/>
+                <a:ea typeface="Calibri" pitchFamily="34" charset="-122"/>
+                <a:cs typeface="Calibri" pitchFamily="34" charset="-120"/>
+              </a:rPr>
+              <a:t>Generated</a:t>
+            </a:r>
+            <a:endParaRPr lang="en-US" sz="900" dirty="0"/>
+          </a:p>
+        </p:txBody>
+      </p:sp>
+      <p:pic>
+        <p:nvPicPr>
+          <p:cNvPr id="34" name="Image 12" descr="preencoded.png">    </p:cNvPr>
+          <p:cNvPicPr>
+            <a:picLocks noChangeAspect="1"/>
+          </p:cNvPicPr>
+          <p:nvPr/>
+        </p:nvPicPr>
+        <p:blipFill>
+          <a:blip r:embed="rId13"/>
+          <a:stretch>
+            <a:fillRect/>
+          </a:stretch>
+        </p:blipFill>
+        <p:spPr>
+          <a:xfrm>
+            <a:off x="3383280" y="3474720"/>
+            <a:ext cx="182880" cy="182880"/>
+          </a:xfrm>
+          <a:prstGeom prst="rect">
+            <a:avLst/>
+          </a:prstGeom>
+        </p:spPr>
+      </p:pic>
+      <p:sp>
+        <p:nvSpPr>
+          <p:cNvPr id="35" name="Shape 20"/>
+          <p:cNvSpPr/>
+          <p:nvPr/>
+        </p:nvSpPr>
+        <p:spPr>
+          <a:xfrm>
+            <a:off x="2560320" y="3703320"/>
+            <a:ext cx="1828800" cy="457200"/>
+          </a:xfrm>
+          <a:prstGeom prst="rect">
+            <a:avLst/>
+          </a:prstGeom>
+          <a:solidFill>
+            <a:srgbClr val="D4EDDA"/>
+          </a:solidFill>
+          <a:ln w="25400">
+            <a:solidFill>
+              <a:srgbClr val="28A745"/>
+            </a:solidFill>
+            <a:prstDash val="solid"/>
+          </a:ln>
+        </p:spPr>
+      </p:sp>
+      <p:pic>
+        <p:nvPicPr>
+          <p:cNvPr id="36" name="Image 13" descr="preencoded.png">    </p:cNvPr>
+          <p:cNvPicPr>
+            <a:picLocks noChangeAspect="1"/>
+          </p:cNvPicPr>
+          <p:nvPr/>
+        </p:nvPicPr>
+        <p:blipFill>
+          <a:blip r:embed="rId14"/>
+          <a:stretch>
+            <a:fillRect/>
+          </a:stretch>
+        </p:blipFill>
+        <p:spPr>
+          <a:xfrm>
+            <a:off x="2651760" y="3794760"/>
+            <a:ext cx="228600" cy="228600"/>
+          </a:xfrm>
+          <a:prstGeom prst="rect">
+            <a:avLst/>
+          </a:prstGeom>
+        </p:spPr>
+      </p:pic>
+      <p:sp>
+        <p:nvSpPr>
+          <p:cNvPr id="37" name="Text 21"/>
+          <p:cNvSpPr/>
+          <p:nvPr/>
+        </p:nvSpPr>
+        <p:spPr>
+          <a:xfrm>
+            <a:off x="2926080" y="3703320"/>
+            <a:ext cx="1417320" cy="457200"/>
+          </a:xfrm>
+          <a:prstGeom prst="rect">
+            <a:avLst/>
+          </a:prstGeom>
+          <a:noFill/>
+          <a:ln/>
+        </p:spPr>
+        <p:txBody>
+          <a:bodyPr wrap="square" rtlCol="0" anchor="ctr"/>
+          <a:lstStyle/>
+          <a:p>
+            <a:pPr indent="0" marL="0">
+              <a:buNone/>
+            </a:pPr>
+            <a:r>
+              <a:rPr lang="en-US" sz="900" b="1" dirty="0">
+                <a:solidFill>
+                  <a:srgbClr val="155724"/>
+                </a:solidFill>
+                <a:latin typeface="Calibri" pitchFamily="34" charset="0"/>
+                <a:ea typeface="Calibri" pitchFamily="34" charset="-122"/>
+                <a:cs typeface="Calibri" pitchFamily="34" charset="-120"/>
+              </a:rPr>
+              <a:t>Test Cases</a:t>
+            </a:r>
+            <a:endParaRPr lang="en-US" sz="900" dirty="0"/>
+          </a:p>
+          <a:p>
+            <a:pPr indent="0" marL="0">
+              <a:buNone/>
+            </a:pPr>
+            <a:r>
+              <a:rPr lang="en-US" sz="900" b="1" dirty="0">
+                <a:solidFill>
+                  <a:srgbClr val="155724"/>
+                </a:solidFill>
+                <a:latin typeface="Calibri" pitchFamily="34" charset="0"/>
+                <a:ea typeface="Calibri" pitchFamily="34" charset="-122"/>
+                <a:cs typeface="Calibri" pitchFamily="34" charset="-120"/>
+              </a:rPr>
+              <a:t>Output</a:t>
+            </a:r>
+            <a:endParaRPr lang="en-US" sz="900" dirty="0"/>
+          </a:p>
+        </p:txBody>
+      </p:sp>
+      <p:sp>
+        <p:nvSpPr>
+          <p:cNvPr id="38" name="Shape 22"/>
+          <p:cNvSpPr/>
+          <p:nvPr/>
+        </p:nvSpPr>
+        <p:spPr>
+          <a:xfrm>
+            <a:off x="4663440" y="1188720"/>
+            <a:ext cx="4023360" cy="3200400"/>
+          </a:xfrm>
+          <a:prstGeom prst="rect">
+            <a:avLst/>
+          </a:prstGeom>
+          <a:solidFill>
+            <a:srgbClr val="FFFFFF"/>
+          </a:solidFill>
+          <a:ln w="12700">
+            <a:solidFill>
+              <a:srgbClr val="E1E8ED"/>
+            </a:solidFill>
+            <a:prstDash val="solid"/>
+          </a:ln>
+        </p:spPr>
+      </p:sp>
+      <p:sp>
+        <p:nvSpPr>
+          <p:cNvPr id="39" name="Text 23"/>
+          <p:cNvSpPr/>
+          <p:nvPr/>
+        </p:nvSpPr>
+        <p:spPr>
+          <a:xfrm>
+            <a:off x="4846320" y="1371600"/>
+            <a:ext cx="3657600" cy="274320"/>
+          </a:xfrm>
+          <a:prstGeom prst="rect">
+            <a:avLst/>
+          </a:prstGeom>
+          <a:noFill/>
+          <a:ln/>
+        </p:spPr>
+        <p:txBody>
+          <a:bodyPr wrap="square" rtlCol="0" anchor="ctr"/>
+          <a:lstStyle/>
+          <a:p>
+            <a:pPr indent="0" marL="0">
+              <a:buNone/>
+            </a:pPr>
+            <a:r>
+              <a:rPr lang="en-US" sz="1600" b="1" dirty="0">
+                <a:solidFill>
+                  <a:srgbClr val="2E3A59"/>
+                </a:solidFill>
+                <a:latin typeface="Calibri" pitchFamily="34" charset="0"/>
+                <a:ea typeface="Calibri" pitchFamily="34" charset="-122"/>
+                <a:cs typeface="Calibri" pitchFamily="34" charset="-120"/>
+              </a:rPr>
+              <a:t>Key Benefits</a:t>
+            </a:r>
+            <a:endParaRPr lang="en-US" sz="1600" dirty="0"/>
+          </a:p>
+        </p:txBody>
+      </p:sp>
+      <p:sp>
+        <p:nvSpPr>
+          <p:cNvPr id="40" name="Text 24"/>
+          <p:cNvSpPr/>
+          <p:nvPr/>
+        </p:nvSpPr>
+        <p:spPr>
+          <a:xfrm>
+            <a:off x="4846320" y="1737360"/>
+            <a:ext cx="3657600" cy="1371600"/>
+          </a:xfrm>
+          <a:prstGeom prst="rect">
+            <a:avLst/>
+          </a:prstGeom>
+          <a:noFill/>
+          <a:ln/>
+        </p:spPr>
+        <p:txBody>
+          <a:bodyPr wrap="square" rtlCol="0" anchor="ctr"/>
+          <a:lstStyle/>
+          <a:p>
+            <a:pPr marL="342900" indent="-342900">
+              <a:buSzPct val="100000"/>
+              <a:buChar char="•"/>
+            </a:pPr>
+            <a:r>
+              <a:rPr lang="en-US" sz="1100" b="1" dirty="0">
+                <a:solidFill>
+                  <a:srgbClr val="2C3E50"/>
+                </a:solidFill>
+                <a:latin typeface="Calibri" pitchFamily="34" charset="0"/>
+                <a:ea typeface="Calibri" pitchFamily="34" charset="-122"/>
+                <a:cs typeface="Calibri" pitchFamily="34" charset="-120"/>
+              </a:rPr>
+              <a:t>Context-Driven Generation</a:t>
+            </a:r>
+            <a:endParaRPr lang="en-US" sz="1100" dirty="0"/>
+          </a:p>
+          <a:p>
+            <a:pPr lvl="1" indent="0" marL="0">
+              <a:buNone/>
+            </a:pPr>
+            <a:r>
+              <a:rPr lang="en-US" sz="900" dirty="0">
+                <a:solidFill>
+                  <a:srgbClr val="6C7A89"/>
+                </a:solidFill>
+                <a:latin typeface="Calibri" pitchFamily="34" charset="0"/>
+                <a:ea typeface="Calibri" pitchFamily="34" charset="-122"/>
+                <a:cs typeface="Calibri" pitchFamily="34" charset="-120"/>
+              </a:rPr>
+              <a:t>Leverages acceptance criteria automatically</a:t>
+            </a:r>
+            <a:endParaRPr lang="en-US" sz="1100" dirty="0"/>
+          </a:p>
+          <a:p>
+            <a:pPr indent="0" marL="0">
+              <a:buNone/>
+            </a:pPr>
+            <a:endParaRPr lang="en-US" sz="1100" dirty="0"/>
+          </a:p>
+          <a:p>
+            <a:pPr marL="342900" indent="-342900">
+              <a:buSzPct val="100000"/>
+              <a:buChar char="•"/>
+            </a:pPr>
+            <a:r>
+              <a:rPr lang="en-US" sz="1100" b="1" dirty="0">
+                <a:solidFill>
+                  <a:srgbClr val="2C3E50"/>
+                </a:solidFill>
+                <a:latin typeface="Calibri" pitchFamily="34" charset="0"/>
+                <a:ea typeface="Calibri" pitchFamily="34" charset="-122"/>
+                <a:cs typeface="Calibri" pitchFamily="34" charset="-120"/>
+              </a:rPr>
+              <a:t>Instruction-Based Quality</a:t>
+            </a:r>
+            <a:endParaRPr lang="en-US" sz="1100" dirty="0"/>
+          </a:p>
+          <a:p>
+            <a:pPr lvl="1" indent="0" marL="0">
+              <a:buNone/>
+            </a:pPr>
+            <a:r>
+              <a:rPr lang="en-US" sz="900" dirty="0">
+                <a:solidFill>
+                  <a:srgbClr val="6C7A89"/>
+                </a:solidFill>
+                <a:latin typeface="Calibri" pitchFamily="34" charset="0"/>
+                <a:ea typeface="Calibri" pitchFamily="34" charset="-122"/>
+                <a:cs typeface="Calibri" pitchFamily="34" charset="-120"/>
+              </a:rPr>
+              <a:t>Maintains consistency with predefined standards</a:t>
+            </a:r>
+            <a:endParaRPr lang="en-US" sz="1100" dirty="0"/>
+          </a:p>
+          <a:p>
+            <a:pPr indent="0" marL="0">
+              <a:buNone/>
+            </a:pPr>
+            <a:endParaRPr lang="en-US" sz="1100" dirty="0"/>
+          </a:p>
+          <a:p>
+            <a:pPr marL="342900" indent="-342900">
+              <a:buSzPct val="100000"/>
+              <a:buChar char="•"/>
+            </a:pPr>
+            <a:r>
+              <a:rPr lang="en-US" sz="1100" b="1" dirty="0">
+                <a:solidFill>
+                  <a:srgbClr val="2C3E50"/>
+                </a:solidFill>
+                <a:latin typeface="Calibri" pitchFamily="34" charset="0"/>
+                <a:ea typeface="Calibri" pitchFamily="34" charset="-122"/>
+                <a:cs typeface="Calibri" pitchFamily="34" charset="-120"/>
+              </a:rPr>
+              <a:t>Streamlined Workflow</a:t>
+            </a:r>
+            <a:endParaRPr lang="en-US" sz="1100" dirty="0"/>
+          </a:p>
+          <a:p>
+            <a:pPr lvl="1" indent="0" marL="0">
+              <a:buNone/>
+            </a:pPr>
+            <a:r>
+              <a:rPr lang="en-US" sz="900" dirty="0">
+                <a:solidFill>
+                  <a:srgbClr val="6C7A89"/>
+                </a:solidFill>
+                <a:latin typeface="Calibri" pitchFamily="34" charset="0"/>
+                <a:ea typeface="Calibri" pitchFamily="34" charset="-122"/>
+                <a:cs typeface="Calibri" pitchFamily="34" charset="-120"/>
+              </a:rPr>
+              <a:t>Eliminates multiple manual review cycles</a:t>
+            </a:r>
+            <a:endParaRPr lang="en-US" sz="1100" dirty="0"/>
+          </a:p>
+        </p:txBody>
+      </p:sp>
+      <p:sp>
+        <p:nvSpPr>
+          <p:cNvPr id="41" name="Shape 25"/>
+          <p:cNvSpPr/>
+          <p:nvPr/>
+        </p:nvSpPr>
+        <p:spPr>
+          <a:xfrm>
+            <a:off x="4846320" y="3291840"/>
+            <a:ext cx="3657600" cy="18288"/>
+          </a:xfrm>
+          <a:prstGeom prst="rect">
+            <a:avLst/>
+          </a:prstGeom>
+          <a:solidFill>
+            <a:srgbClr val="E1E8ED"/>
+          </a:solidFill>
+          <a:ln/>
+        </p:spPr>
+      </p:sp>
+      <p:sp>
+        <p:nvSpPr>
+          <p:cNvPr id="42" name="Text 26"/>
+          <p:cNvSpPr/>
+          <p:nvPr/>
+        </p:nvSpPr>
+        <p:spPr>
+          <a:xfrm>
+            <a:off x="4846320" y="3429000"/>
+            <a:ext cx="3657600" cy="228600"/>
+          </a:xfrm>
+          <a:prstGeom prst="rect">
+            <a:avLst/>
+          </a:prstGeom>
+          <a:noFill/>
+          <a:ln/>
+        </p:spPr>
+        <p:txBody>
+          <a:bodyPr wrap="square" rtlCol="0" anchor="ctr"/>
+          <a:lstStyle/>
+          <a:p>
+            <a:pPr indent="0" marL="0">
+              <a:buNone/>
+            </a:pPr>
+            <a:r>
+              <a:rPr lang="en-US" sz="1100" b="1" dirty="0">
+                <a:solidFill>
+                  <a:srgbClr val="FFA500"/>
+                </a:solidFill>
+                <a:latin typeface="Calibri" pitchFamily="34" charset="0"/>
+                <a:ea typeface="Calibri" pitchFamily="34" charset="-122"/>
+                <a:cs typeface="Calibri" pitchFamily="34" charset="-120"/>
+              </a:rPr>
+              <a:t>TIME SAVINGS</a:t>
+            </a:r>
+            <a:endParaRPr lang="en-US" sz="1100" dirty="0"/>
+          </a:p>
+        </p:txBody>
+      </p:sp>
+      <p:pic>
+        <p:nvPicPr>
+          <p:cNvPr id="43" name="Image 14" descr="preencoded.png">    </p:cNvPr>
+          <p:cNvPicPr>
+            <a:picLocks noChangeAspect="1"/>
+          </p:cNvPicPr>
+          <p:nvPr/>
+        </p:nvPicPr>
+        <p:blipFill>
+          <a:blip r:embed="rId15"/>
+          <a:stretch>
+            <a:fillRect/>
+          </a:stretch>
+        </p:blipFill>
+        <p:spPr>
+          <a:xfrm>
+            <a:off x="4937760" y="3749040"/>
+            <a:ext cx="228600" cy="228600"/>
+          </a:xfrm>
+          <a:prstGeom prst="rect">
+            <a:avLst/>
+          </a:prstGeom>
+        </p:spPr>
+      </p:pic>
+      <p:sp>
+        <p:nvSpPr>
+          <p:cNvPr id="44" name="Text 27"/>
+          <p:cNvSpPr/>
+          <p:nvPr/>
+        </p:nvSpPr>
+        <p:spPr>
+          <a:xfrm>
+            <a:off x="5212080" y="3794760"/>
+            <a:ext cx="3108960" cy="182880"/>
+          </a:xfrm>
+          <a:prstGeom prst="rect">
+            <a:avLst/>
+          </a:prstGeom>
+          <a:noFill/>
+          <a:ln/>
+        </p:spPr>
+        <p:txBody>
+          <a:bodyPr wrap="square" lIns="0" tIns="0" rIns="0" bIns="0" rtlCol="0" anchor="ctr"/>
+          <a:lstStyle/>
+          <a:p>
+            <a:pPr indent="0" marL="0">
+              <a:buNone/>
+            </a:pPr>
+            <a:r>
+              <a:rPr lang="en-US" sz="1000" b="1" dirty="0">
+                <a:solidFill>
+                  <a:srgbClr val="2C3E50"/>
+                </a:solidFill>
+                <a:latin typeface="Calibri" pitchFamily="34" charset="0"/>
+                <a:ea typeface="Calibri" pitchFamily="34" charset="-122"/>
+                <a:cs typeface="Calibri" pitchFamily="34" charset="-120"/>
+              </a:rPr>
+              <a:t>15-20 test cases: </a:t>
+            </a:r>
+            <a:pPr indent="0" marL="0">
+              <a:buNone/>
+            </a:pPr>
+            <a:r>
+              <a:rPr lang="en-US" sz="1000" b="1" dirty="0">
+                <a:solidFill>
+                  <a:srgbClr val="FF6B6B"/>
+                </a:solidFill>
+                <a:latin typeface="Calibri" pitchFamily="34" charset="0"/>
+                <a:ea typeface="Calibri" pitchFamily="34" charset="-122"/>
+                <a:cs typeface="Calibri" pitchFamily="34" charset="-120"/>
+              </a:rPr>
+              <a:t>4.2 hrs → 2 hrs</a:t>
+            </a:r>
+            <a:endParaRPr lang="en-US" sz="1000" dirty="0"/>
+          </a:p>
+        </p:txBody>
+      </p:sp>
+      <p:pic>
+        <p:nvPicPr>
+          <p:cNvPr id="45" name="Image 15" descr="preencoded.png">    </p:cNvPr>
+          <p:cNvPicPr>
+            <a:picLocks noChangeAspect="1"/>
+          </p:cNvPicPr>
+          <p:nvPr/>
+        </p:nvPicPr>
+        <p:blipFill>
+          <a:blip r:embed="rId16"/>
+          <a:stretch>
+            <a:fillRect/>
+          </a:stretch>
+        </p:blipFill>
+        <p:spPr>
+          <a:xfrm>
+            <a:off x="4937760" y="4023360"/>
+            <a:ext cx="228600" cy="228600"/>
+          </a:xfrm>
+          <a:prstGeom prst="rect">
+            <a:avLst/>
+          </a:prstGeom>
+        </p:spPr>
+      </p:pic>
+      <p:sp>
+        <p:nvSpPr>
+          <p:cNvPr id="46" name="Text 28"/>
+          <p:cNvSpPr/>
+          <p:nvPr/>
+        </p:nvSpPr>
+        <p:spPr>
+          <a:xfrm>
+            <a:off x="5212080" y="4069080"/>
+            <a:ext cx="3108960" cy="182880"/>
+          </a:xfrm>
+          <a:prstGeom prst="rect">
+            <a:avLst/>
+          </a:prstGeom>
+          <a:noFill/>
+          <a:ln/>
+        </p:spPr>
+        <p:txBody>
+          <a:bodyPr wrap="square" lIns="0" tIns="0" rIns="0" bIns="0" rtlCol="0" anchor="ctr"/>
+          <a:lstStyle/>
+          <a:p>
+            <a:pPr indent="0" marL="0">
+              <a:buNone/>
+            </a:pPr>
+            <a:r>
+              <a:rPr lang="en-US" sz="1000" b="1" dirty="0">
+                <a:solidFill>
+                  <a:srgbClr val="2C3E50"/>
+                </a:solidFill>
+                <a:latin typeface="Calibri" pitchFamily="34" charset="0"/>
+                <a:ea typeface="Calibri" pitchFamily="34" charset="-122"/>
+                <a:cs typeface="Calibri" pitchFamily="34" charset="-120"/>
+              </a:rPr>
+              <a:t>20+ test cases: </a:t>
+            </a:r>
+            <a:pPr indent="0" marL="0">
+              <a:buNone/>
+            </a:pPr>
+            <a:r>
+              <a:rPr lang="en-US" sz="1000" b="1" dirty="0">
+                <a:solidFill>
+                  <a:srgbClr val="FF6B6B"/>
+                </a:solidFill>
+                <a:latin typeface="Calibri" pitchFamily="34" charset="0"/>
+                <a:ea typeface="Calibri" pitchFamily="34" charset="-122"/>
+                <a:cs typeface="Calibri" pitchFamily="34" charset="-120"/>
+              </a:rPr>
+              <a:t>5 hrs → 2-3 hrs</a:t>
+            </a:r>
+            <a:endParaRPr lang="en-US" sz="1000" dirty="0"/>
           </a:p>
         </p:txBody>
       </p:sp>
